--- a/Documentation.pptx
+++ b/Documentation.pptx
@@ -28,6 +28,7 @@
     <p:sldId id="273" r:id="rId22"/>
     <p:sldId id="274" r:id="rId23"/>
     <p:sldId id="275" r:id="rId24"/>
+    <p:sldId id="276" r:id="rId25"/>
   </p:sldIdLst>
   <p:sldSz cy="6858000" cx="12192000"/>
   <p:notesSz cx="6858000" cy="9144000"/>
@@ -1203,7 +1204,7 @@
       </p:grpSpPr>
       <p:sp>
         <p:nvSpPr>
-          <p:cNvPr id="168" name="Google Shape;168;p14:notes"/>
+          <p:cNvPr id="168" name="Google Shape;168;g2e5c3b2ccaf_0_5:notes"/>
           <p:cNvSpPr txBox="1"/>
           <p:nvPr>
             <p:ph idx="1" type="body"/>
@@ -1242,7 +1243,7 @@
       </p:sp>
       <p:sp>
         <p:nvSpPr>
-          <p:cNvPr id="169" name="Google Shape;169;p14:notes"/>
+          <p:cNvPr id="169" name="Google Shape;169;g2e5c3b2ccaf_0_5:notes"/>
           <p:cNvSpPr/>
           <p:nvPr>
             <p:ph idx="2" type="sldImg"/>
@@ -1251,7 +1252,7 @@
         <p:spPr>
           <a:xfrm>
             <a:off x="1143225" y="685800"/>
-            <a:ext cx="4572225" cy="3429000"/>
+            <a:ext cx="4572300" cy="3429000"/>
           </a:xfrm>
           <a:custGeom>
             <a:rect b="b" l="l" r="r" t="t"/>
@@ -1288,7 +1289,7 @@
   <p:cSld>
     <p:spTree>
       <p:nvGrpSpPr>
-        <p:cNvPr id="173" name="Shape 173"/>
+        <p:cNvPr id="174" name="Shape 174"/>
         <p:cNvGrpSpPr/>
         <p:nvPr/>
       </p:nvGrpSpPr>
@@ -1302,7 +1303,7 @@
       </p:grpSpPr>
       <p:sp>
         <p:nvSpPr>
-          <p:cNvPr id="174" name="Google Shape;174;p15:notes"/>
+          <p:cNvPr id="175" name="Google Shape;175;p14:notes"/>
           <p:cNvSpPr txBox="1"/>
           <p:nvPr>
             <p:ph idx="1" type="body"/>
@@ -1341,7 +1342,7 @@
       </p:sp>
       <p:sp>
         <p:nvSpPr>
-          <p:cNvPr id="175" name="Google Shape;175;p15:notes"/>
+          <p:cNvPr id="176" name="Google Shape;176;p14:notes"/>
           <p:cNvSpPr/>
           <p:nvPr>
             <p:ph idx="2" type="sldImg"/>
@@ -1387,7 +1388,7 @@
   <p:cSld>
     <p:spTree>
       <p:nvGrpSpPr>
-        <p:cNvPr id="179" name="Shape 179"/>
+        <p:cNvPr id="180" name="Shape 180"/>
         <p:cNvGrpSpPr/>
         <p:nvPr/>
       </p:nvGrpSpPr>
@@ -1401,7 +1402,7 @@
       </p:grpSpPr>
       <p:sp>
         <p:nvSpPr>
-          <p:cNvPr id="180" name="Google Shape;180;p16:notes"/>
+          <p:cNvPr id="181" name="Google Shape;181;p15:notes"/>
           <p:cNvSpPr txBox="1"/>
           <p:nvPr>
             <p:ph idx="1" type="body"/>
@@ -1440,7 +1441,7 @@
       </p:sp>
       <p:sp>
         <p:nvSpPr>
-          <p:cNvPr id="181" name="Google Shape;181;p16:notes"/>
+          <p:cNvPr id="182" name="Google Shape;182;p15:notes"/>
           <p:cNvSpPr/>
           <p:nvPr>
             <p:ph idx="2" type="sldImg"/>
@@ -1486,7 +1487,7 @@
   <p:cSld>
     <p:spTree>
       <p:nvGrpSpPr>
-        <p:cNvPr id="185" name="Shape 185"/>
+        <p:cNvPr id="186" name="Shape 186"/>
         <p:cNvGrpSpPr/>
         <p:nvPr/>
       </p:nvGrpSpPr>
@@ -1500,7 +1501,7 @@
       </p:grpSpPr>
       <p:sp>
         <p:nvSpPr>
-          <p:cNvPr id="186" name="Google Shape;186;p17:notes"/>
+          <p:cNvPr id="187" name="Google Shape;187;p16:notes"/>
           <p:cNvSpPr txBox="1"/>
           <p:nvPr>
             <p:ph idx="1" type="body"/>
@@ -1539,7 +1540,7 @@
       </p:sp>
       <p:sp>
         <p:nvSpPr>
-          <p:cNvPr id="187" name="Google Shape;187;p17:notes"/>
+          <p:cNvPr id="188" name="Google Shape;188;p16:notes"/>
           <p:cNvSpPr/>
           <p:nvPr>
             <p:ph idx="2" type="sldImg"/>
@@ -1599,7 +1600,106 @@
       </p:grpSpPr>
       <p:sp>
         <p:nvSpPr>
-          <p:cNvPr id="193" name="Google Shape;193;g2e25ce123a6_0_17:notes"/>
+          <p:cNvPr id="193" name="Google Shape;193;p17:notes"/>
+          <p:cNvSpPr txBox="1"/>
+          <p:nvPr>
+            <p:ph idx="1" type="body"/>
+          </p:nvPr>
+        </p:nvSpPr>
+        <p:spPr>
+          <a:xfrm>
+            <a:off x="685800" y="4343400"/>
+            <a:ext cx="5486400" cy="4114800"/>
+          </a:xfrm>
+          <a:prstGeom prst="rect">
+            <a:avLst/>
+          </a:prstGeom>
+        </p:spPr>
+        <p:txBody>
+          <a:bodyPr anchorCtr="0" anchor="t" bIns="91425" lIns="91425" spcFirstLastPara="1" rIns="91425" wrap="square" tIns="91425">
+            <a:noAutofit/>
+          </a:bodyPr>
+          <a:lstStyle/>
+          <a:p>
+            <a:pPr indent="0" lvl="0" marL="0" rtl="0" algn="l">
+              <a:spcBef>
+                <a:spcPts val="0"/>
+              </a:spcBef>
+              <a:spcAft>
+                <a:spcPts val="0"/>
+              </a:spcAft>
+              <a:buNone/>
+            </a:pPr>
+            <a:r>
+              <a:t/>
+            </a:r>
+            <a:endParaRPr/>
+          </a:p>
+        </p:txBody>
+      </p:sp>
+      <p:sp>
+        <p:nvSpPr>
+          <p:cNvPr id="194" name="Google Shape;194;p17:notes"/>
+          <p:cNvSpPr/>
+          <p:nvPr>
+            <p:ph idx="2" type="sldImg"/>
+          </p:nvPr>
+        </p:nvSpPr>
+        <p:spPr>
+          <a:xfrm>
+            <a:off x="1143225" y="685800"/>
+            <a:ext cx="4572225" cy="3429000"/>
+          </a:xfrm>
+          <a:custGeom>
+            <a:rect b="b" l="l" r="r" t="t"/>
+            <a:pathLst>
+              <a:path extrusionOk="0" h="120000" w="120000">
+                <a:moveTo>
+                  <a:pt x="0" y="0"/>
+                </a:moveTo>
+                <a:lnTo>
+                  <a:pt x="120000" y="0"/>
+                </a:lnTo>
+                <a:lnTo>
+                  <a:pt x="120000" y="120000"/>
+                </a:lnTo>
+                <a:lnTo>
+                  <a:pt x="0" y="120000"/>
+                </a:lnTo>
+                <a:close/>
+              </a:path>
+            </a:pathLst>
+          </a:custGeom>
+        </p:spPr>
+      </p:sp>
+    </p:spTree>
+  </p:cSld>
+  <p:clrMapOvr>
+    <a:masterClrMapping/>
+  </p:clrMapOvr>
+</p:notes>
+</file>
+
+<file path=ppt/notesSlides/notesSlide19.xml><?xml version="1.0" encoding="utf-8"?>
+<p:notes xmlns:a="http://schemas.openxmlformats.org/drawingml/2006/main" xmlns:r="http://schemas.openxmlformats.org/officeDocument/2006/relationships" xmlns:mc="http://schemas.openxmlformats.org/markup-compatibility/2006" xmlns:mv="urn:schemas-microsoft-com:mac:vml" xmlns:p="http://schemas.openxmlformats.org/presentationml/2006/main" xmlns:c="http://schemas.openxmlformats.org/drawingml/2006/chart" xmlns:dgm="http://schemas.openxmlformats.org/drawingml/2006/diagram" xmlns:o="urn:schemas-microsoft-com:office:office" xmlns:v="urn:schemas-microsoft-com:vml" xmlns:pvml="urn:schemas-microsoft-com:office:powerpoint" xmlns:com="http://schemas.openxmlformats.org/drawingml/2006/compatibility" xmlns:p14="http://schemas.microsoft.com/office/powerpoint/2010/main" xmlns:p15="http://schemas.microsoft.com/office/powerpoint/2012/main" xmlns:ahyp="http://schemas.microsoft.com/office/drawing/2018/hyperlinkcolor" showMasterPhAnim="0" showMasterSp="0">
+  <p:cSld>
+    <p:spTree>
+      <p:nvGrpSpPr>
+        <p:cNvPr id="199" name="Shape 199"/>
+        <p:cNvGrpSpPr/>
+        <p:nvPr/>
+      </p:nvGrpSpPr>
+      <p:grpSpPr>
+        <a:xfrm>
+          <a:off x="0" y="0"/>
+          <a:ext cx="0" cy="0"/>
+          <a:chOff x="0" y="0"/>
+          <a:chExt cx="0" cy="0"/>
+        </a:xfrm>
+      </p:grpSpPr>
+      <p:sp>
+        <p:nvSpPr>
+          <p:cNvPr id="200" name="Google Shape;200;g2e25ce123a6_0_17:notes"/>
           <p:cNvSpPr/>
           <p:nvPr>
             <p:ph idx="2" type="sldImg"/>
@@ -1634,106 +1734,7 @@
       </p:sp>
       <p:sp>
         <p:nvSpPr>
-          <p:cNvPr id="194" name="Google Shape;194;g2e25ce123a6_0_17:notes"/>
-          <p:cNvSpPr txBox="1"/>
-          <p:nvPr>
-            <p:ph idx="1" type="body"/>
-          </p:nvPr>
-        </p:nvSpPr>
-        <p:spPr>
-          <a:xfrm>
-            <a:off x="685800" y="4343400"/>
-            <a:ext cx="5486400" cy="4114800"/>
-          </a:xfrm>
-          <a:prstGeom prst="rect">
-            <a:avLst/>
-          </a:prstGeom>
-        </p:spPr>
-        <p:txBody>
-          <a:bodyPr anchorCtr="0" anchor="t" bIns="91425" lIns="91425" spcFirstLastPara="1" rIns="91425" wrap="square" tIns="91425">
-            <a:noAutofit/>
-          </a:bodyPr>
-          <a:lstStyle/>
-          <a:p>
-            <a:pPr indent="0" lvl="0" marL="0" rtl="0" algn="l">
-              <a:spcBef>
-                <a:spcPts val="0"/>
-              </a:spcBef>
-              <a:spcAft>
-                <a:spcPts val="0"/>
-              </a:spcAft>
-              <a:buNone/>
-            </a:pPr>
-            <a:r>
-              <a:t/>
-            </a:r>
-            <a:endParaRPr/>
-          </a:p>
-        </p:txBody>
-      </p:sp>
-    </p:spTree>
-  </p:cSld>
-  <p:clrMapOvr>
-    <a:masterClrMapping/>
-  </p:clrMapOvr>
-</p:notes>
-</file>
-
-<file path=ppt/notesSlides/notesSlide19.xml><?xml version="1.0" encoding="utf-8"?>
-<p:notes xmlns:a="http://schemas.openxmlformats.org/drawingml/2006/main" xmlns:r="http://schemas.openxmlformats.org/officeDocument/2006/relationships" xmlns:mc="http://schemas.openxmlformats.org/markup-compatibility/2006" xmlns:mv="urn:schemas-microsoft-com:mac:vml" xmlns:p="http://schemas.openxmlformats.org/presentationml/2006/main" xmlns:c="http://schemas.openxmlformats.org/drawingml/2006/chart" xmlns:dgm="http://schemas.openxmlformats.org/drawingml/2006/diagram" xmlns:o="urn:schemas-microsoft-com:office:office" xmlns:v="urn:schemas-microsoft-com:vml" xmlns:pvml="urn:schemas-microsoft-com:office:powerpoint" xmlns:com="http://schemas.openxmlformats.org/drawingml/2006/compatibility" xmlns:p14="http://schemas.microsoft.com/office/powerpoint/2010/main" xmlns:p15="http://schemas.microsoft.com/office/powerpoint/2012/main" xmlns:ahyp="http://schemas.microsoft.com/office/drawing/2018/hyperlinkcolor" showMasterPhAnim="0" showMasterSp="0">
-  <p:cSld>
-    <p:spTree>
-      <p:nvGrpSpPr>
-        <p:cNvPr id="198" name="Shape 198"/>
-        <p:cNvGrpSpPr/>
-        <p:nvPr/>
-      </p:nvGrpSpPr>
-      <p:grpSpPr>
-        <a:xfrm>
-          <a:off x="0" y="0"/>
-          <a:ext cx="0" cy="0"/>
-          <a:chOff x="0" y="0"/>
-          <a:chExt cx="0" cy="0"/>
-        </a:xfrm>
-      </p:grpSpPr>
-      <p:sp>
-        <p:nvSpPr>
-          <p:cNvPr id="199" name="Google Shape;199;g2e25ce123a6_0_11:notes"/>
-          <p:cNvSpPr/>
-          <p:nvPr>
-            <p:ph idx="2" type="sldImg"/>
-          </p:nvPr>
-        </p:nvSpPr>
-        <p:spPr>
-          <a:xfrm>
-            <a:off x="1143225" y="685800"/>
-            <a:ext cx="4572300" cy="3429000"/>
-          </a:xfrm>
-          <a:custGeom>
-            <a:rect b="b" l="l" r="r" t="t"/>
-            <a:pathLst>
-              <a:path extrusionOk="0" h="120000" w="120000">
-                <a:moveTo>
-                  <a:pt x="0" y="0"/>
-                </a:moveTo>
-                <a:lnTo>
-                  <a:pt x="120000" y="0"/>
-                </a:lnTo>
-                <a:lnTo>
-                  <a:pt x="120000" y="120000"/>
-                </a:lnTo>
-                <a:lnTo>
-                  <a:pt x="0" y="120000"/>
-                </a:lnTo>
-                <a:close/>
-              </a:path>
-            </a:pathLst>
-          </a:custGeom>
-        </p:spPr>
-      </p:sp>
-      <p:sp>
-        <p:nvSpPr>
-          <p:cNvPr id="200" name="Google Shape;200;g2e25ce123a6_0_11:notes"/>
+          <p:cNvPr id="201" name="Google Shape;201;g2e25ce123a6_0_17:notes"/>
           <p:cNvSpPr txBox="1"/>
           <p:nvPr>
             <p:ph idx="1" type="body"/>
@@ -1882,7 +1883,7 @@
   <p:cSld>
     <p:spTree>
       <p:nvGrpSpPr>
-        <p:cNvPr id="204" name="Shape 204"/>
+        <p:cNvPr id="205" name="Shape 205"/>
         <p:cNvGrpSpPr/>
         <p:nvPr/>
       </p:nvGrpSpPr>
@@ -1896,7 +1897,42 @@
       </p:grpSpPr>
       <p:sp>
         <p:nvSpPr>
-          <p:cNvPr id="205" name="Google Shape;205;p18:notes"/>
+          <p:cNvPr id="206" name="Google Shape;206;g2e25ce123a6_0_11:notes"/>
+          <p:cNvSpPr/>
+          <p:nvPr>
+            <p:ph idx="2" type="sldImg"/>
+          </p:nvPr>
+        </p:nvSpPr>
+        <p:spPr>
+          <a:xfrm>
+            <a:off x="1143225" y="685800"/>
+            <a:ext cx="4572300" cy="3429000"/>
+          </a:xfrm>
+          <a:custGeom>
+            <a:rect b="b" l="l" r="r" t="t"/>
+            <a:pathLst>
+              <a:path extrusionOk="0" h="120000" w="120000">
+                <a:moveTo>
+                  <a:pt x="0" y="0"/>
+                </a:moveTo>
+                <a:lnTo>
+                  <a:pt x="120000" y="0"/>
+                </a:lnTo>
+                <a:lnTo>
+                  <a:pt x="120000" y="120000"/>
+                </a:lnTo>
+                <a:lnTo>
+                  <a:pt x="0" y="120000"/>
+                </a:lnTo>
+                <a:close/>
+              </a:path>
+            </a:pathLst>
+          </a:custGeom>
+        </p:spPr>
+      </p:sp>
+      <p:sp>
+        <p:nvSpPr>
+          <p:cNvPr id="207" name="Google Shape;207;g2e25ce123a6_0_11:notes"/>
           <p:cNvSpPr txBox="1"/>
           <p:nvPr>
             <p:ph idx="1" type="body"/>
@@ -1933,9 +1969,73 @@
           </a:p>
         </p:txBody>
       </p:sp>
+    </p:spTree>
+  </p:cSld>
+  <p:clrMapOvr>
+    <a:masterClrMapping/>
+  </p:clrMapOvr>
+</p:notes>
+</file>
+
+<file path=ppt/notesSlides/notesSlide21.xml><?xml version="1.0" encoding="utf-8"?>
+<p:notes xmlns:a="http://schemas.openxmlformats.org/drawingml/2006/main" xmlns:r="http://schemas.openxmlformats.org/officeDocument/2006/relationships" xmlns:mc="http://schemas.openxmlformats.org/markup-compatibility/2006" xmlns:mv="urn:schemas-microsoft-com:mac:vml" xmlns:p="http://schemas.openxmlformats.org/presentationml/2006/main" xmlns:c="http://schemas.openxmlformats.org/drawingml/2006/chart" xmlns:dgm="http://schemas.openxmlformats.org/drawingml/2006/diagram" xmlns:o="urn:schemas-microsoft-com:office:office" xmlns:v="urn:schemas-microsoft-com:vml" xmlns:pvml="urn:schemas-microsoft-com:office:powerpoint" xmlns:com="http://schemas.openxmlformats.org/drawingml/2006/compatibility" xmlns:p14="http://schemas.microsoft.com/office/powerpoint/2010/main" xmlns:p15="http://schemas.microsoft.com/office/powerpoint/2012/main" xmlns:ahyp="http://schemas.microsoft.com/office/drawing/2018/hyperlinkcolor" showMasterPhAnim="0" showMasterSp="0">
+  <p:cSld>
+    <p:spTree>
+      <p:nvGrpSpPr>
+        <p:cNvPr id="211" name="Shape 211"/>
+        <p:cNvGrpSpPr/>
+        <p:nvPr/>
+      </p:nvGrpSpPr>
+      <p:grpSpPr>
+        <a:xfrm>
+          <a:off x="0" y="0"/>
+          <a:ext cx="0" cy="0"/>
+          <a:chOff x="0" y="0"/>
+          <a:chExt cx="0" cy="0"/>
+        </a:xfrm>
+      </p:grpSpPr>
       <p:sp>
         <p:nvSpPr>
-          <p:cNvPr id="206" name="Google Shape;206;p18:notes"/>
+          <p:cNvPr id="212" name="Google Shape;212;p18:notes"/>
+          <p:cNvSpPr txBox="1"/>
+          <p:nvPr>
+            <p:ph idx="1" type="body"/>
+          </p:nvPr>
+        </p:nvSpPr>
+        <p:spPr>
+          <a:xfrm>
+            <a:off x="685800" y="4343400"/>
+            <a:ext cx="5486400" cy="4114800"/>
+          </a:xfrm>
+          <a:prstGeom prst="rect">
+            <a:avLst/>
+          </a:prstGeom>
+        </p:spPr>
+        <p:txBody>
+          <a:bodyPr anchorCtr="0" anchor="t" bIns="91425" lIns="91425" spcFirstLastPara="1" rIns="91425" wrap="square" tIns="91425">
+            <a:noAutofit/>
+          </a:bodyPr>
+          <a:lstStyle/>
+          <a:p>
+            <a:pPr indent="0" lvl="0" marL="0" rtl="0" algn="l">
+              <a:spcBef>
+                <a:spcPts val="0"/>
+              </a:spcBef>
+              <a:spcAft>
+                <a:spcPts val="0"/>
+              </a:spcAft>
+              <a:buNone/>
+            </a:pPr>
+            <a:r>
+              <a:t/>
+            </a:r>
+            <a:endParaRPr/>
+          </a:p>
+        </p:txBody>
+      </p:sp>
+      <p:sp>
+        <p:nvSpPr>
+          <p:cNvPr id="213" name="Google Shape;213;p18:notes"/>
           <p:cNvSpPr/>
           <p:nvPr>
             <p:ph idx="2" type="sldImg"/>
@@ -13532,6 +13632,145 @@
         <p:nvSpPr>
           <p:cNvPr id="171" name="Google Shape;171;p26"/>
           <p:cNvSpPr txBox="1"/>
+          <p:nvPr/>
+        </p:nvSpPr>
+        <p:spPr>
+          <a:xfrm>
+            <a:off x="0" y="5701491"/>
+            <a:ext cx="9344100" cy="523200"/>
+          </a:xfrm>
+          <a:prstGeom prst="rect">
+            <a:avLst/>
+          </a:prstGeom>
+          <a:noFill/>
+          <a:ln>
+            <a:noFill/>
+          </a:ln>
+        </p:spPr>
+        <p:txBody>
+          <a:bodyPr anchorCtr="0" anchor="t" bIns="45700" lIns="91425" spcFirstLastPara="1" rIns="91425" wrap="square" tIns="45700">
+            <a:spAutoFit/>
+          </a:bodyPr>
+          <a:lstStyle/>
+          <a:p>
+            <a:pPr indent="0" lvl="0" marL="0" marR="0" rtl="0" algn="l">
+              <a:spcBef>
+                <a:spcPts val="0"/>
+              </a:spcBef>
+              <a:spcAft>
+                <a:spcPts val="0"/>
+              </a:spcAft>
+              <a:buNone/>
+            </a:pPr>
+            <a:r>
+              <a:rPr lang="en-US">
+                <a:solidFill>
+                  <a:schemeClr val="dk1"/>
+                </a:solidFill>
+                <a:latin typeface="Calibri"/>
+                <a:ea typeface="Calibri"/>
+                <a:cs typeface="Calibri"/>
+                <a:sym typeface="Calibri"/>
+              </a:rPr>
+              <a:t>Added structure player and perc_stat_of_player, which used for additional tables and graphics, also easy to add players or delete them</a:t>
+            </a:r>
+            <a:endParaRPr sz="1400">
+              <a:solidFill>
+                <a:schemeClr val="dk1"/>
+              </a:solidFill>
+              <a:latin typeface="Calibri"/>
+              <a:ea typeface="Calibri"/>
+              <a:cs typeface="Calibri"/>
+              <a:sym typeface="Calibri"/>
+            </a:endParaRPr>
+          </a:p>
+        </p:txBody>
+      </p:sp>
+      <p:pic>
+        <p:nvPicPr>
+          <p:cNvPr id="172" name="Google Shape;172;p26"/>
+          <p:cNvPicPr preferRelativeResize="0"/>
+          <p:nvPr/>
+        </p:nvPicPr>
+        <p:blipFill>
+          <a:blip r:embed="rId3">
+            <a:alphaModFix/>
+          </a:blip>
+          <a:stretch>
+            <a:fillRect/>
+          </a:stretch>
+        </p:blipFill>
+        <p:spPr>
+          <a:xfrm>
+            <a:off x="152400" y="152400"/>
+            <a:ext cx="3455647" cy="5396691"/>
+          </a:xfrm>
+          <a:prstGeom prst="rect">
+            <a:avLst/>
+          </a:prstGeom>
+          <a:noFill/>
+          <a:ln>
+            <a:noFill/>
+          </a:ln>
+        </p:spPr>
+      </p:pic>
+      <p:pic>
+        <p:nvPicPr>
+          <p:cNvPr id="173" name="Google Shape;173;p26"/>
+          <p:cNvPicPr preferRelativeResize="0"/>
+          <p:nvPr/>
+        </p:nvPicPr>
+        <p:blipFill>
+          <a:blip r:embed="rId4">
+            <a:alphaModFix/>
+          </a:blip>
+          <a:stretch>
+            <a:fillRect/>
+          </a:stretch>
+        </p:blipFill>
+        <p:spPr>
+          <a:xfrm>
+            <a:off x="3760447" y="152400"/>
+            <a:ext cx="5035127" cy="5396692"/>
+          </a:xfrm>
+          <a:prstGeom prst="rect">
+            <a:avLst/>
+          </a:prstGeom>
+          <a:noFill/>
+          <a:ln>
+            <a:noFill/>
+          </a:ln>
+        </p:spPr>
+      </p:pic>
+    </p:spTree>
+  </p:cSld>
+  <p:clrMapOvr>
+    <a:masterClrMapping/>
+  </p:clrMapOvr>
+</p:sld>
+</file>
+
+<file path=ppt/slides/slide15.xml><?xml version="1.0" encoding="utf-8"?>
+<p:sld xmlns:a="http://schemas.openxmlformats.org/drawingml/2006/main" xmlns:r="http://schemas.openxmlformats.org/officeDocument/2006/relationships" xmlns:mc="http://schemas.openxmlformats.org/markup-compatibility/2006" xmlns:mv="urn:schemas-microsoft-com:mac:vml" xmlns:p="http://schemas.openxmlformats.org/presentationml/2006/main" xmlns:c="http://schemas.openxmlformats.org/drawingml/2006/chart" xmlns:dgm="http://schemas.openxmlformats.org/drawingml/2006/diagram" xmlns:o="urn:schemas-microsoft-com:office:office" xmlns:v="urn:schemas-microsoft-com:vml" xmlns:pvml="urn:schemas-microsoft-com:office:powerpoint" xmlns:com="http://schemas.openxmlformats.org/drawingml/2006/compatibility" xmlns:p14="http://schemas.microsoft.com/office/powerpoint/2010/main" xmlns:p15="http://schemas.microsoft.com/office/powerpoint/2012/main" xmlns:ahyp="http://schemas.microsoft.com/office/drawing/2018/hyperlinkcolor">
+  <p:cSld>
+    <p:spTree>
+      <p:nvGrpSpPr>
+        <p:cNvPr id="177" name="Shape 177"/>
+        <p:cNvGrpSpPr/>
+        <p:nvPr/>
+      </p:nvGrpSpPr>
+      <p:grpSpPr>
+        <a:xfrm>
+          <a:off x="0" y="0"/>
+          <a:ext cx="0" cy="0"/>
+          <a:chOff x="0" y="0"/>
+          <a:chExt cx="0" cy="0"/>
+        </a:xfrm>
+      </p:grpSpPr>
+      <p:sp>
+        <p:nvSpPr>
+          <p:cNvPr id="178" name="Google Shape;178;p27"/>
+          <p:cNvSpPr txBox="1"/>
           <p:nvPr>
             <p:ph type="title"/>
           </p:nvPr>
@@ -13582,7 +13821,7 @@
       </p:sp>
       <p:pic>
         <p:nvPicPr>
-          <p:cNvPr id="172" name="Google Shape;172;p26"/>
+          <p:cNvPr id="179" name="Google Shape;179;p27"/>
           <p:cNvPicPr preferRelativeResize="0"/>
           <p:nvPr>
             <p:ph idx="1" type="body"/>
@@ -13617,12 +13856,12 @@
 </p:sld>
 </file>
 
-<file path=ppt/slides/slide15.xml><?xml version="1.0" encoding="utf-8"?>
+<file path=ppt/slides/slide16.xml><?xml version="1.0" encoding="utf-8"?>
 <p:sld xmlns:a="http://schemas.openxmlformats.org/drawingml/2006/main" xmlns:r="http://schemas.openxmlformats.org/officeDocument/2006/relationships" xmlns:mc="http://schemas.openxmlformats.org/markup-compatibility/2006" xmlns:mv="urn:schemas-microsoft-com:mac:vml" xmlns:p="http://schemas.openxmlformats.org/presentationml/2006/main" xmlns:c="http://schemas.openxmlformats.org/drawingml/2006/chart" xmlns:dgm="http://schemas.openxmlformats.org/drawingml/2006/diagram" xmlns:o="urn:schemas-microsoft-com:office:office" xmlns:v="urn:schemas-microsoft-com:vml" xmlns:pvml="urn:schemas-microsoft-com:office:powerpoint" xmlns:com="http://schemas.openxmlformats.org/drawingml/2006/compatibility" xmlns:p14="http://schemas.microsoft.com/office/powerpoint/2010/main" xmlns:p15="http://schemas.microsoft.com/office/powerpoint/2012/main" xmlns:ahyp="http://schemas.microsoft.com/office/drawing/2018/hyperlinkcolor">
   <p:cSld>
     <p:spTree>
       <p:nvGrpSpPr>
-        <p:cNvPr id="176" name="Shape 176"/>
+        <p:cNvPr id="183" name="Shape 183"/>
         <p:cNvGrpSpPr/>
         <p:nvPr/>
       </p:nvGrpSpPr>
@@ -13636,7 +13875,7 @@
       </p:grpSpPr>
       <p:sp>
         <p:nvSpPr>
-          <p:cNvPr id="177" name="Google Shape;177;p27"/>
+          <p:cNvPr id="184" name="Google Shape;184;p28"/>
           <p:cNvSpPr txBox="1"/>
           <p:nvPr>
             <p:ph type="title"/>
@@ -13688,7 +13927,7 @@
       </p:sp>
       <p:pic>
         <p:nvPicPr>
-          <p:cNvPr id="178" name="Google Shape;178;p27"/>
+          <p:cNvPr id="185" name="Google Shape;185;p28"/>
           <p:cNvPicPr preferRelativeResize="0"/>
           <p:nvPr>
             <p:ph idx="1" type="body"/>
@@ -13723,12 +13962,12 @@
 </p:sld>
 </file>
 
-<file path=ppt/slides/slide16.xml><?xml version="1.0" encoding="utf-8"?>
+<file path=ppt/slides/slide17.xml><?xml version="1.0" encoding="utf-8"?>
 <p:sld xmlns:a="http://schemas.openxmlformats.org/drawingml/2006/main" xmlns:r="http://schemas.openxmlformats.org/officeDocument/2006/relationships" xmlns:mc="http://schemas.openxmlformats.org/markup-compatibility/2006" xmlns:mv="urn:schemas-microsoft-com:mac:vml" xmlns:p="http://schemas.openxmlformats.org/presentationml/2006/main" xmlns:c="http://schemas.openxmlformats.org/drawingml/2006/chart" xmlns:dgm="http://schemas.openxmlformats.org/drawingml/2006/diagram" xmlns:o="urn:schemas-microsoft-com:office:office" xmlns:v="urn:schemas-microsoft-com:vml" xmlns:pvml="urn:schemas-microsoft-com:office:powerpoint" xmlns:com="http://schemas.openxmlformats.org/drawingml/2006/compatibility" xmlns:p14="http://schemas.microsoft.com/office/powerpoint/2010/main" xmlns:p15="http://schemas.microsoft.com/office/powerpoint/2012/main" xmlns:ahyp="http://schemas.microsoft.com/office/drawing/2018/hyperlinkcolor">
   <p:cSld>
     <p:spTree>
       <p:nvGrpSpPr>
-        <p:cNvPr id="182" name="Shape 182"/>
+        <p:cNvPr id="189" name="Shape 189"/>
         <p:cNvGrpSpPr/>
         <p:nvPr/>
       </p:nvGrpSpPr>
@@ -13742,7 +13981,7 @@
       </p:grpSpPr>
       <p:sp>
         <p:nvSpPr>
-          <p:cNvPr id="183" name="Google Shape;183;p28"/>
+          <p:cNvPr id="190" name="Google Shape;190;p29"/>
           <p:cNvSpPr txBox="1"/>
           <p:nvPr>
             <p:ph type="title"/>
@@ -13794,7 +14033,7 @@
       </p:sp>
       <p:pic>
         <p:nvPicPr>
-          <p:cNvPr id="184" name="Google Shape;184;p28"/>
+          <p:cNvPr id="191" name="Google Shape;191;p29"/>
           <p:cNvPicPr preferRelativeResize="0"/>
           <p:nvPr>
             <p:ph idx="1" type="body"/>
@@ -13811,139 +14050,6 @@
           <a:xfrm>
             <a:off x="2849249" y="1825625"/>
             <a:ext cx="5953499" cy="4667250"/>
-          </a:xfrm>
-          <a:prstGeom prst="rect">
-            <a:avLst/>
-          </a:prstGeom>
-          <a:noFill/>
-          <a:ln>
-            <a:noFill/>
-          </a:ln>
-        </p:spPr>
-      </p:pic>
-    </p:spTree>
-  </p:cSld>
-  <p:clrMapOvr>
-    <a:masterClrMapping/>
-  </p:clrMapOvr>
-</p:sld>
-</file>
-
-<file path=ppt/slides/slide17.xml><?xml version="1.0" encoding="utf-8"?>
-<p:sld xmlns:a="http://schemas.openxmlformats.org/drawingml/2006/main" xmlns:r="http://schemas.openxmlformats.org/officeDocument/2006/relationships" xmlns:mc="http://schemas.openxmlformats.org/markup-compatibility/2006" xmlns:mv="urn:schemas-microsoft-com:mac:vml" xmlns:p="http://schemas.openxmlformats.org/presentationml/2006/main" xmlns:c="http://schemas.openxmlformats.org/drawingml/2006/chart" xmlns:dgm="http://schemas.openxmlformats.org/drawingml/2006/diagram" xmlns:o="urn:schemas-microsoft-com:office:office" xmlns:v="urn:schemas-microsoft-com:vml" xmlns:pvml="urn:schemas-microsoft-com:office:powerpoint" xmlns:com="http://schemas.openxmlformats.org/drawingml/2006/compatibility" xmlns:p14="http://schemas.microsoft.com/office/powerpoint/2010/main" xmlns:p15="http://schemas.microsoft.com/office/powerpoint/2012/main" xmlns:ahyp="http://schemas.microsoft.com/office/drawing/2018/hyperlinkcolor">
-  <p:cSld>
-    <p:spTree>
-      <p:nvGrpSpPr>
-        <p:cNvPr id="188" name="Shape 188"/>
-        <p:cNvGrpSpPr/>
-        <p:nvPr/>
-      </p:nvGrpSpPr>
-      <p:grpSpPr>
-        <a:xfrm>
-          <a:off x="0" y="0"/>
-          <a:ext cx="0" cy="0"/>
-          <a:chOff x="0" y="0"/>
-          <a:chExt cx="0" cy="0"/>
-        </a:xfrm>
-      </p:grpSpPr>
-      <p:sp>
-        <p:nvSpPr>
-          <p:cNvPr id="189" name="Google Shape;189;p29"/>
-          <p:cNvSpPr txBox="1"/>
-          <p:nvPr>
-            <p:ph type="title"/>
-          </p:nvPr>
-        </p:nvSpPr>
-        <p:spPr>
-          <a:xfrm>
-            <a:off x="3852863" y="250825"/>
-            <a:ext cx="10515600" cy="1325563"/>
-          </a:xfrm>
-          <a:prstGeom prst="rect">
-            <a:avLst/>
-          </a:prstGeom>
-          <a:noFill/>
-          <a:ln>
-            <a:noFill/>
-          </a:ln>
-        </p:spPr>
-        <p:txBody>
-          <a:bodyPr anchorCtr="0" anchor="ctr" bIns="45700" lIns="91425" spcFirstLastPara="1" rIns="91425" wrap="square" tIns="45700">
-            <a:normAutofit/>
-          </a:bodyPr>
-          <a:lstStyle/>
-          <a:p>
-            <a:pPr indent="0" lvl="0" marL="0" rtl="0" algn="l">
-              <a:lnSpc>
-                <a:spcPct val="90000"/>
-              </a:lnSpc>
-              <a:spcBef>
-                <a:spcPts val="0"/>
-              </a:spcBef>
-              <a:spcAft>
-                <a:spcPts val="0"/>
-              </a:spcAft>
-              <a:buClr>
-                <a:schemeClr val="dk1"/>
-              </a:buClr>
-              <a:buSzPts val="4400"/>
-              <a:buFont typeface="Calibri"/>
-              <a:buNone/>
-            </a:pPr>
-            <a:r>
-              <a:rPr lang="en-US"/>
-              <a:t>Deleting players</a:t>
-            </a:r>
-            <a:endParaRPr/>
-          </a:p>
-        </p:txBody>
-      </p:sp>
-      <p:pic>
-        <p:nvPicPr>
-          <p:cNvPr id="190" name="Google Shape;190;p29"/>
-          <p:cNvPicPr preferRelativeResize="0"/>
-          <p:nvPr>
-            <p:ph idx="1" type="body"/>
-          </p:nvPr>
-        </p:nvPicPr>
-        <p:blipFill rotWithShape="1">
-          <a:blip r:embed="rId3">
-            <a:alphaModFix/>
-          </a:blip>
-          <a:srcRect b="0" l="0" r="0" t="0"/>
-          <a:stretch/>
-        </p:blipFill>
-        <p:spPr>
-          <a:xfrm>
-            <a:off x="0" y="1877456"/>
-            <a:ext cx="5514975" cy="4980544"/>
-          </a:xfrm>
-          <a:prstGeom prst="rect">
-            <a:avLst/>
-          </a:prstGeom>
-          <a:noFill/>
-          <a:ln>
-            <a:noFill/>
-          </a:ln>
-        </p:spPr>
-      </p:pic>
-      <p:pic>
-        <p:nvPicPr>
-          <p:cNvPr id="191" name="Google Shape;191;p29"/>
-          <p:cNvPicPr preferRelativeResize="0"/>
-          <p:nvPr/>
-        </p:nvPicPr>
-        <p:blipFill rotWithShape="1">
-          <a:blip r:embed="rId4">
-            <a:alphaModFix/>
-          </a:blip>
-          <a:srcRect b="0" l="0" r="0" t="0"/>
-          <a:stretch/>
-        </p:blipFill>
-        <p:spPr>
-          <a:xfrm>
-            <a:off x="5985906" y="1877456"/>
-            <a:ext cx="6206094" cy="4980544"/>
           </a:xfrm>
           <a:prstGeom prst="rect">
             <a:avLst/>
@@ -13989,12 +14095,16 @@
         </p:nvSpPr>
         <p:spPr>
           <a:xfrm>
-            <a:off x="838200" y="365125"/>
-            <a:ext cx="10515600" cy="1325700"/>
+            <a:off x="3852863" y="250825"/>
+            <a:ext cx="10515600" cy="1325563"/>
           </a:xfrm>
           <a:prstGeom prst="rect">
             <a:avLst/>
           </a:prstGeom>
+          <a:noFill/>
+          <a:ln>
+            <a:noFill/>
+          </a:ln>
         </p:spPr>
         <p:txBody>
           <a:bodyPr anchorCtr="0" anchor="ctr" bIns="45700" lIns="91425" spcFirstLastPara="1" rIns="91425" wrap="square" tIns="45700">
@@ -14002,18 +14112,26 @@
           </a:bodyPr>
           <a:lstStyle/>
           <a:p>
-            <a:pPr indent="0" lvl="0" marL="0" rtl="0" algn="ctr">
-              <a:spcBef>
-                <a:spcPts val="0"/>
-              </a:spcBef>
-              <a:spcAft>
-                <a:spcPts val="0"/>
-              </a:spcAft>
+            <a:pPr indent="0" lvl="0" marL="0" rtl="0" algn="l">
+              <a:lnSpc>
+                <a:spcPct val="90000"/>
+              </a:lnSpc>
+              <a:spcBef>
+                <a:spcPts val="0"/>
+              </a:spcBef>
+              <a:spcAft>
+                <a:spcPts val="0"/>
+              </a:spcAft>
+              <a:buClr>
+                <a:schemeClr val="dk1"/>
+              </a:buClr>
+              <a:buSzPts val="4400"/>
+              <a:buFont typeface="Calibri"/>
               <a:buNone/>
             </a:pPr>
             <a:r>
               <a:rPr lang="en-US"/>
-              <a:t>Dialog window</a:t>
+              <a:t>Deleting players</a:t>
             </a:r>
             <a:endParaRPr/>
           </a:p>
@@ -14023,20 +14141,48 @@
         <p:nvPicPr>
           <p:cNvPr id="197" name="Google Shape;197;p30"/>
           <p:cNvPicPr preferRelativeResize="0"/>
-          <p:nvPr/>
+          <p:nvPr>
+            <p:ph idx="1" type="body"/>
+          </p:nvPr>
         </p:nvPicPr>
-        <p:blipFill>
+        <p:blipFill rotWithShape="1">
           <a:blip r:embed="rId3">
             <a:alphaModFix/>
           </a:blip>
-          <a:stretch>
-            <a:fillRect/>
-          </a:stretch>
+          <a:srcRect b="0" l="0" r="0" t="0"/>
+          <a:stretch/>
         </p:blipFill>
         <p:spPr>
           <a:xfrm>
-            <a:off x="2647925" y="1379050"/>
-            <a:ext cx="6780050" cy="5508800"/>
+            <a:off x="0" y="1877456"/>
+            <a:ext cx="5514975" cy="4980544"/>
+          </a:xfrm>
+          <a:prstGeom prst="rect">
+            <a:avLst/>
+          </a:prstGeom>
+          <a:noFill/>
+          <a:ln>
+            <a:noFill/>
+          </a:ln>
+        </p:spPr>
+      </p:pic>
+      <p:pic>
+        <p:nvPicPr>
+          <p:cNvPr id="198" name="Google Shape;198;p30"/>
+          <p:cNvPicPr preferRelativeResize="0"/>
+          <p:nvPr/>
+        </p:nvPicPr>
+        <p:blipFill rotWithShape="1">
+          <a:blip r:embed="rId4">
+            <a:alphaModFix/>
+          </a:blip>
+          <a:srcRect b="0" l="0" r="0" t="0"/>
+          <a:stretch/>
+        </p:blipFill>
+        <p:spPr>
+          <a:xfrm>
+            <a:off x="5985906" y="1877456"/>
+            <a:ext cx="6206094" cy="4980544"/>
           </a:xfrm>
           <a:prstGeom prst="rect">
             <a:avLst/>
@@ -14060,7 +14206,7 @@
   <p:cSld>
     <p:spTree>
       <p:nvGrpSpPr>
-        <p:cNvPr id="201" name="Shape 201"/>
+        <p:cNvPr id="202" name="Shape 202"/>
         <p:cNvGrpSpPr/>
         <p:nvPr/>
       </p:nvGrpSpPr>
@@ -14074,7 +14220,7 @@
       </p:grpSpPr>
       <p:sp>
         <p:nvSpPr>
-          <p:cNvPr id="202" name="Google Shape;202;p31"/>
+          <p:cNvPr id="203" name="Google Shape;203;p31"/>
           <p:cNvSpPr txBox="1"/>
           <p:nvPr>
             <p:ph type="title"/>
@@ -14106,7 +14252,7 @@
             </a:pPr>
             <a:r>
               <a:rPr lang="en-US"/>
-              <a:t>Additional table</a:t>
+              <a:t>Dialog window</a:t>
             </a:r>
             <a:endParaRPr/>
           </a:p>
@@ -14114,7 +14260,7 @@
       </p:sp>
       <p:pic>
         <p:nvPicPr>
-          <p:cNvPr id="203" name="Google Shape;203;p31"/>
+          <p:cNvPr id="204" name="Google Shape;204;p31"/>
           <p:cNvPicPr preferRelativeResize="0"/>
           <p:nvPr/>
         </p:nvPicPr>
@@ -14128,8 +14274,8 @@
         </p:blipFill>
         <p:spPr>
           <a:xfrm>
-            <a:off x="3596900" y="1519975"/>
-            <a:ext cx="4535925" cy="5338025"/>
+            <a:off x="2980675" y="1790975"/>
+            <a:ext cx="6001309" cy="4862374"/>
           </a:xfrm>
           <a:prstGeom prst="rect">
             <a:avLst/>
@@ -14462,7 +14608,7 @@
   <p:cSld>
     <p:spTree>
       <p:nvGrpSpPr>
-        <p:cNvPr id="207" name="Shape 207"/>
+        <p:cNvPr id="208" name="Shape 208"/>
         <p:cNvGrpSpPr/>
         <p:nvPr/>
       </p:nvGrpSpPr>
@@ -14476,7 +14622,100 @@
       </p:grpSpPr>
       <p:sp>
         <p:nvSpPr>
-          <p:cNvPr id="208" name="Google Shape;208;p32"/>
+          <p:cNvPr id="209" name="Google Shape;209;p32"/>
+          <p:cNvSpPr txBox="1"/>
+          <p:nvPr>
+            <p:ph type="title"/>
+          </p:nvPr>
+        </p:nvSpPr>
+        <p:spPr>
+          <a:xfrm>
+            <a:off x="838200" y="365125"/>
+            <a:ext cx="10515600" cy="1325700"/>
+          </a:xfrm>
+          <a:prstGeom prst="rect">
+            <a:avLst/>
+          </a:prstGeom>
+        </p:spPr>
+        <p:txBody>
+          <a:bodyPr anchorCtr="0" anchor="ctr" bIns="45700" lIns="91425" spcFirstLastPara="1" rIns="91425" wrap="square" tIns="45700">
+            <a:normAutofit/>
+          </a:bodyPr>
+          <a:lstStyle/>
+          <a:p>
+            <a:pPr indent="0" lvl="0" marL="0" rtl="0" algn="ctr">
+              <a:spcBef>
+                <a:spcPts val="0"/>
+              </a:spcBef>
+              <a:spcAft>
+                <a:spcPts val="0"/>
+              </a:spcAft>
+              <a:buNone/>
+            </a:pPr>
+            <a:r>
+              <a:rPr lang="en-US"/>
+              <a:t>Additional table</a:t>
+            </a:r>
+            <a:endParaRPr/>
+          </a:p>
+        </p:txBody>
+      </p:sp>
+      <p:pic>
+        <p:nvPicPr>
+          <p:cNvPr id="210" name="Google Shape;210;p32"/>
+          <p:cNvPicPr preferRelativeResize="0"/>
+          <p:nvPr/>
+        </p:nvPicPr>
+        <p:blipFill>
+          <a:blip r:embed="rId3">
+            <a:alphaModFix/>
+          </a:blip>
+          <a:stretch>
+            <a:fillRect/>
+          </a:stretch>
+        </p:blipFill>
+        <p:spPr>
+          <a:xfrm>
+            <a:off x="3596900" y="1519975"/>
+            <a:ext cx="4535925" cy="5338025"/>
+          </a:xfrm>
+          <a:prstGeom prst="rect">
+            <a:avLst/>
+          </a:prstGeom>
+          <a:noFill/>
+          <a:ln>
+            <a:noFill/>
+          </a:ln>
+        </p:spPr>
+      </p:pic>
+    </p:spTree>
+  </p:cSld>
+  <p:clrMapOvr>
+    <a:masterClrMapping/>
+  </p:clrMapOvr>
+</p:sld>
+</file>
+
+<file path=ppt/slides/slide21.xml><?xml version="1.0" encoding="utf-8"?>
+<p:sld xmlns:a="http://schemas.openxmlformats.org/drawingml/2006/main" xmlns:r="http://schemas.openxmlformats.org/officeDocument/2006/relationships" xmlns:mc="http://schemas.openxmlformats.org/markup-compatibility/2006" xmlns:mv="urn:schemas-microsoft-com:mac:vml" xmlns:p="http://schemas.openxmlformats.org/presentationml/2006/main" xmlns:c="http://schemas.openxmlformats.org/drawingml/2006/chart" xmlns:dgm="http://schemas.openxmlformats.org/drawingml/2006/diagram" xmlns:o="urn:schemas-microsoft-com:office:office" xmlns:v="urn:schemas-microsoft-com:vml" xmlns:pvml="urn:schemas-microsoft-com:office:powerpoint" xmlns:com="http://schemas.openxmlformats.org/drawingml/2006/compatibility" xmlns:p14="http://schemas.microsoft.com/office/powerpoint/2010/main" xmlns:p15="http://schemas.microsoft.com/office/powerpoint/2012/main" xmlns:ahyp="http://schemas.microsoft.com/office/drawing/2018/hyperlinkcolor">
+  <p:cSld>
+    <p:spTree>
+      <p:nvGrpSpPr>
+        <p:cNvPr id="214" name="Shape 214"/>
+        <p:cNvGrpSpPr/>
+        <p:nvPr/>
+      </p:nvGrpSpPr>
+      <p:grpSpPr>
+        <a:xfrm>
+          <a:off x="0" y="0"/>
+          <a:ext cx="0" cy="0"/>
+          <a:chOff x="0" y="0"/>
+          <a:chExt cx="0" cy="0"/>
+        </a:xfrm>
+      </p:grpSpPr>
+      <p:sp>
+        <p:nvSpPr>
+          <p:cNvPr id="215" name="Google Shape;215;p33"/>
           <p:cNvSpPr txBox="1"/>
           <p:nvPr>
             <p:ph type="title"/>
@@ -14538,7 +14777,7 @@
       </p:sp>
       <p:sp>
         <p:nvSpPr>
-          <p:cNvPr id="209" name="Google Shape;209;p32"/>
+          <p:cNvPr id="216" name="Google Shape;216;p33"/>
           <p:cNvSpPr txBox="1"/>
           <p:nvPr>
             <p:ph idx="1" type="body"/>
@@ -15523,6 +15762,285 @@
 </file>
 
 <file path=ppt/theme/theme1.xml><?xml version="1.0" encoding="utf-8"?>
+<a:theme xmlns:a="http://schemas.openxmlformats.org/drawingml/2006/main" xmlns:r="http://schemas.openxmlformats.org/officeDocument/2006/relationships">
+  <a:themeElements>
+    <a:clrScheme name="Default">
+      <a:dk1>
+        <a:srgbClr val="000000"/>
+      </a:dk1>
+      <a:lt1>
+        <a:srgbClr val="FFFFFF"/>
+      </a:lt1>
+      <a:dk2>
+        <a:srgbClr val="158158"/>
+      </a:dk2>
+      <a:lt2>
+        <a:srgbClr val="F3F3F3"/>
+      </a:lt2>
+      <a:accent1>
+        <a:srgbClr val="058DC7"/>
+      </a:accent1>
+      <a:accent2>
+        <a:srgbClr val="50B432"/>
+      </a:accent2>
+      <a:accent3>
+        <a:srgbClr val="ED561B"/>
+      </a:accent3>
+      <a:accent4>
+        <a:srgbClr val="EDEF00"/>
+      </a:accent4>
+      <a:accent5>
+        <a:srgbClr val="24CBE5"/>
+      </a:accent5>
+      <a:accent6>
+        <a:srgbClr val="64E572"/>
+      </a:accent6>
+      <a:hlink>
+        <a:srgbClr val="2200CC"/>
+      </a:hlink>
+      <a:folHlink>
+        <a:srgbClr val="551A8B"/>
+      </a:folHlink>
+    </a:clrScheme>
+    <a:fontScheme name="Office">
+      <a:majorFont>
+        <a:latin typeface="Arial"/>
+        <a:ea typeface=""/>
+        <a:cs typeface=""/>
+        <a:font script="Jpan" typeface="ＭＳ Ｐゴシック"/>
+        <a:font script="Hang" typeface="맑은 고딕"/>
+        <a:font script="Hans" typeface="宋体"/>
+        <a:font script="Hant" typeface="新細明體"/>
+        <a:font script="Arab" typeface="Times New Roman"/>
+        <a:font script="Hebr" typeface="Times New Roman"/>
+        <a:font script="Thai" typeface="Angsana New"/>
+        <a:font script="Ethi" typeface="Nyala"/>
+        <a:font script="Beng" typeface="Vrinda"/>
+        <a:font script="Gujr" typeface="Shruti"/>
+        <a:font script="Khmr" typeface="MoolBoran"/>
+        <a:font script="Knda" typeface="Tunga"/>
+        <a:font script="Guru" typeface="Raavi"/>
+        <a:font script="Cans" typeface="Euphemia"/>
+        <a:font script="Cher" typeface="Plantagenet Cherokee"/>
+        <a:font script="Yiii" typeface="Microsoft Yi Baiti"/>
+        <a:font script="Tibt" typeface="Microsoft Himalaya"/>
+        <a:font script="Thaa" typeface="MV Boli"/>
+        <a:font script="Deva" typeface="Mangal"/>
+        <a:font script="Telu" typeface="Gautami"/>
+        <a:font script="Taml" typeface="Latha"/>
+        <a:font script="Syrc" typeface="Estrangelo Edessa"/>
+        <a:font script="Orya" typeface="Kalinga"/>
+        <a:font script="Mlym" typeface="Kartika"/>
+        <a:font script="Laoo" typeface="DokChampa"/>
+        <a:font script="Sinh" typeface="Iskoola Pota"/>
+        <a:font script="Mong" typeface="Mongolian Baiti"/>
+        <a:font script="Viet" typeface="Times New Roman"/>
+        <a:font script="Uigh" typeface="Microsoft Uighur"/>
+        <a:font script="Geor" typeface="Sylfaen"/>
+      </a:majorFont>
+      <a:minorFont>
+        <a:latin typeface="Arial"/>
+        <a:ea typeface=""/>
+        <a:cs typeface=""/>
+        <a:font script="Jpan" typeface="ＭＳ Ｐゴシック"/>
+        <a:font script="Hang" typeface="맑은 고딕"/>
+        <a:font script="Hans" typeface="宋体"/>
+        <a:font script="Hant" typeface="新細明體"/>
+        <a:font script="Arab" typeface="Arial"/>
+        <a:font script="Hebr" typeface="Arial"/>
+        <a:font script="Thai" typeface="Cordia New"/>
+        <a:font script="Ethi" typeface="Nyala"/>
+        <a:font script="Beng" typeface="Vrinda"/>
+        <a:font script="Gujr" typeface="Shruti"/>
+        <a:font script="Khmr" typeface="DaunPenh"/>
+        <a:font script="Knda" typeface="Tunga"/>
+        <a:font script="Guru" typeface="Raavi"/>
+        <a:font script="Cans" typeface="Euphemia"/>
+        <a:font script="Cher" typeface="Plantagenet Cherokee"/>
+        <a:font script="Yiii" typeface="Microsoft Yi Baiti"/>
+        <a:font script="Tibt" typeface="Microsoft Himalaya"/>
+        <a:font script="Thaa" typeface="MV Boli"/>
+        <a:font script="Deva" typeface="Mangal"/>
+        <a:font script="Telu" typeface="Gautami"/>
+        <a:font script="Taml" typeface="Latha"/>
+        <a:font script="Syrc" typeface="Estrangelo Edessa"/>
+        <a:font script="Orya" typeface="Kalinga"/>
+        <a:font script="Mlym" typeface="Kartika"/>
+        <a:font script="Laoo" typeface="DokChampa"/>
+        <a:font script="Sinh" typeface="Iskoola Pota"/>
+        <a:font script="Mong" typeface="Mongolian Baiti"/>
+        <a:font script="Viet" typeface="Arial"/>
+        <a:font script="Uigh" typeface="Microsoft Uighur"/>
+        <a:font script="Geor" typeface="Sylfaen"/>
+      </a:minorFont>
+    </a:fontScheme>
+    <a:fmtScheme name="Office">
+      <a:fillStyleLst>
+        <a:solidFill>
+          <a:schemeClr val="phClr"/>
+        </a:solidFill>
+        <a:gradFill rotWithShape="1">
+          <a:gsLst>
+            <a:gs pos="0">
+              <a:schemeClr val="phClr">
+                <a:tint val="50000"/>
+                <a:satMod val="300000"/>
+              </a:schemeClr>
+            </a:gs>
+            <a:gs pos="35000">
+              <a:schemeClr val="phClr">
+                <a:tint val="37000"/>
+                <a:satMod val="300000"/>
+              </a:schemeClr>
+            </a:gs>
+            <a:gs pos="100000">
+              <a:schemeClr val="phClr">
+                <a:tint val="15000"/>
+                <a:satMod val="350000"/>
+              </a:schemeClr>
+            </a:gs>
+          </a:gsLst>
+          <a:lin ang="16200000" scaled="1"/>
+        </a:gradFill>
+        <a:gradFill rotWithShape="1">
+          <a:gsLst>
+            <a:gs pos="0">
+              <a:schemeClr val="phClr">
+                <a:tint val="100000"/>
+                <a:shade val="100000"/>
+                <a:satMod val="130000"/>
+              </a:schemeClr>
+            </a:gs>
+            <a:gs pos="100000">
+              <a:schemeClr val="phClr">
+                <a:tint val="50000"/>
+                <a:shade val="100000"/>
+                <a:satMod val="350000"/>
+              </a:schemeClr>
+            </a:gs>
+          </a:gsLst>
+          <a:lin ang="16200000" scaled="0"/>
+        </a:gradFill>
+      </a:fillStyleLst>
+      <a:lnStyleLst>
+        <a:ln w="9525" cap="flat" cmpd="sng" algn="ctr">
+          <a:solidFill>
+            <a:schemeClr val="phClr">
+              <a:shade val="95000"/>
+              <a:satMod val="105000"/>
+            </a:schemeClr>
+          </a:solidFill>
+          <a:prstDash val="solid"/>
+        </a:ln>
+        <a:ln w="25400" cap="flat" cmpd="sng" algn="ctr">
+          <a:solidFill>
+            <a:schemeClr val="phClr"/>
+          </a:solidFill>
+          <a:prstDash val="solid"/>
+        </a:ln>
+        <a:ln w="38100" cap="flat" cmpd="sng" algn="ctr">
+          <a:solidFill>
+            <a:schemeClr val="phClr"/>
+          </a:solidFill>
+          <a:prstDash val="solid"/>
+        </a:ln>
+      </a:lnStyleLst>
+      <a:effectStyleLst>
+        <a:effectStyle>
+          <a:effectLst>
+            <a:outerShdw blurRad="40000" dist="20000" dir="5400000" rotWithShape="0">
+              <a:srgbClr val="000000">
+                <a:alpha val="38000"/>
+              </a:srgbClr>
+            </a:outerShdw>
+          </a:effectLst>
+        </a:effectStyle>
+        <a:effectStyle>
+          <a:effectLst>
+            <a:outerShdw blurRad="40000" dist="23000" dir="5400000" rotWithShape="0">
+              <a:srgbClr val="000000">
+                <a:alpha val="35000"/>
+              </a:srgbClr>
+            </a:outerShdw>
+          </a:effectLst>
+        </a:effectStyle>
+        <a:effectStyle>
+          <a:effectLst>
+            <a:outerShdw blurRad="40000" dist="23000" dir="5400000" rotWithShape="0">
+              <a:srgbClr val="000000">
+                <a:alpha val="35000"/>
+              </a:srgbClr>
+            </a:outerShdw>
+          </a:effectLst>
+          <a:scene3d>
+            <a:camera prst="orthographicFront">
+              <a:rot lat="0" lon="0" rev="0"/>
+            </a:camera>
+            <a:lightRig rig="threePt" dir="t">
+              <a:rot lat="0" lon="0" rev="1200000"/>
+            </a:lightRig>
+          </a:scene3d>
+          <a:sp3d>
+            <a:bevelT w="63500" h="25400"/>
+          </a:sp3d>
+        </a:effectStyle>
+      </a:effectStyleLst>
+      <a:bgFillStyleLst>
+        <a:solidFill>
+          <a:schemeClr val="phClr"/>
+        </a:solidFill>
+        <a:gradFill rotWithShape="1">
+          <a:gsLst>
+            <a:gs pos="0">
+              <a:schemeClr val="phClr">
+                <a:tint val="40000"/>
+                <a:satMod val="350000"/>
+              </a:schemeClr>
+            </a:gs>
+            <a:gs pos="40000">
+              <a:schemeClr val="phClr">
+                <a:tint val="45000"/>
+                <a:shade val="99000"/>
+                <a:satMod val="350000"/>
+              </a:schemeClr>
+            </a:gs>
+            <a:gs pos="100000">
+              <a:schemeClr val="phClr">
+                <a:shade val="20000"/>
+                <a:satMod val="255000"/>
+              </a:schemeClr>
+            </a:gs>
+          </a:gsLst>
+          <a:path path="circle">
+            <a:fillToRect l="50000" t="-80000" r="50000" b="180000"/>
+          </a:path>
+        </a:gradFill>
+        <a:gradFill rotWithShape="1">
+          <a:gsLst>
+            <a:gs pos="0">
+              <a:schemeClr val="phClr">
+                <a:tint val="80000"/>
+                <a:satMod val="300000"/>
+              </a:schemeClr>
+            </a:gs>
+            <a:gs pos="100000">
+              <a:schemeClr val="phClr">
+                <a:shade val="30000"/>
+                <a:satMod val="200000"/>
+              </a:schemeClr>
+            </a:gs>
+          </a:gsLst>
+          <a:path path="circle">
+            <a:fillToRect l="50000" t="50000" r="50000" b="50000"/>
+          </a:path>
+        </a:gradFill>
+      </a:bgFillStyleLst>
+    </a:fmtScheme>
+  </a:themeElements>
+</a:theme>
+</file>
+
+<file path=ppt/theme/theme2.xml><?xml version="1.0" encoding="utf-8"?>
 <a:theme xmlns:a="http://schemas.openxmlformats.org/drawingml/2006/main" xmlns:r="http://schemas.openxmlformats.org/officeDocument/2006/relationships" name="Тема Office">
   <a:themeElements>
     <a:clrScheme name="Стандартная">
@@ -15799,283 +16317,4 @@
     </a:fmtScheme>
   </a:themeElements>
 </a:theme>
-</file>
-
-<file path=ppt/theme/theme2.xml><?xml version="1.0" encoding="utf-8"?>
-<a:theme xmlns:a="http://schemas.openxmlformats.org/drawingml/2006/main" xmlns:r="http://schemas.openxmlformats.org/officeDocument/2006/relationships">
-  <a:themeElements>
-    <a:clrScheme name="Default">
-      <a:dk1>
-        <a:srgbClr val="000000"/>
-      </a:dk1>
-      <a:lt1>
-        <a:srgbClr val="FFFFFF"/>
-      </a:lt1>
-      <a:dk2>
-        <a:srgbClr val="158158"/>
-      </a:dk2>
-      <a:lt2>
-        <a:srgbClr val="F3F3F3"/>
-      </a:lt2>
-      <a:accent1>
-        <a:srgbClr val="058DC7"/>
-      </a:accent1>
-      <a:accent2>
-        <a:srgbClr val="50B432"/>
-      </a:accent2>
-      <a:accent3>
-        <a:srgbClr val="ED561B"/>
-      </a:accent3>
-      <a:accent4>
-        <a:srgbClr val="EDEF00"/>
-      </a:accent4>
-      <a:accent5>
-        <a:srgbClr val="24CBE5"/>
-      </a:accent5>
-      <a:accent6>
-        <a:srgbClr val="64E572"/>
-      </a:accent6>
-      <a:hlink>
-        <a:srgbClr val="2200CC"/>
-      </a:hlink>
-      <a:folHlink>
-        <a:srgbClr val="551A8B"/>
-      </a:folHlink>
-    </a:clrScheme>
-    <a:fontScheme name="Office">
-      <a:majorFont>
-        <a:latin typeface="Arial"/>
-        <a:ea typeface=""/>
-        <a:cs typeface=""/>
-        <a:font script="Jpan" typeface="ＭＳ Ｐゴシック"/>
-        <a:font script="Hang" typeface="맑은 고딕"/>
-        <a:font script="Hans" typeface="宋体"/>
-        <a:font script="Hant" typeface="新細明體"/>
-        <a:font script="Arab" typeface="Times New Roman"/>
-        <a:font script="Hebr" typeface="Times New Roman"/>
-        <a:font script="Thai" typeface="Angsana New"/>
-        <a:font script="Ethi" typeface="Nyala"/>
-        <a:font script="Beng" typeface="Vrinda"/>
-        <a:font script="Gujr" typeface="Shruti"/>
-        <a:font script="Khmr" typeface="MoolBoran"/>
-        <a:font script="Knda" typeface="Tunga"/>
-        <a:font script="Guru" typeface="Raavi"/>
-        <a:font script="Cans" typeface="Euphemia"/>
-        <a:font script="Cher" typeface="Plantagenet Cherokee"/>
-        <a:font script="Yiii" typeface="Microsoft Yi Baiti"/>
-        <a:font script="Tibt" typeface="Microsoft Himalaya"/>
-        <a:font script="Thaa" typeface="MV Boli"/>
-        <a:font script="Deva" typeface="Mangal"/>
-        <a:font script="Telu" typeface="Gautami"/>
-        <a:font script="Taml" typeface="Latha"/>
-        <a:font script="Syrc" typeface="Estrangelo Edessa"/>
-        <a:font script="Orya" typeface="Kalinga"/>
-        <a:font script="Mlym" typeface="Kartika"/>
-        <a:font script="Laoo" typeface="DokChampa"/>
-        <a:font script="Sinh" typeface="Iskoola Pota"/>
-        <a:font script="Mong" typeface="Mongolian Baiti"/>
-        <a:font script="Viet" typeface="Times New Roman"/>
-        <a:font script="Uigh" typeface="Microsoft Uighur"/>
-        <a:font script="Geor" typeface="Sylfaen"/>
-      </a:majorFont>
-      <a:minorFont>
-        <a:latin typeface="Arial"/>
-        <a:ea typeface=""/>
-        <a:cs typeface=""/>
-        <a:font script="Jpan" typeface="ＭＳ Ｐゴシック"/>
-        <a:font script="Hang" typeface="맑은 고딕"/>
-        <a:font script="Hans" typeface="宋体"/>
-        <a:font script="Hant" typeface="新細明體"/>
-        <a:font script="Arab" typeface="Arial"/>
-        <a:font script="Hebr" typeface="Arial"/>
-        <a:font script="Thai" typeface="Cordia New"/>
-        <a:font script="Ethi" typeface="Nyala"/>
-        <a:font script="Beng" typeface="Vrinda"/>
-        <a:font script="Gujr" typeface="Shruti"/>
-        <a:font script="Khmr" typeface="DaunPenh"/>
-        <a:font script="Knda" typeface="Tunga"/>
-        <a:font script="Guru" typeface="Raavi"/>
-        <a:font script="Cans" typeface="Euphemia"/>
-        <a:font script="Cher" typeface="Plantagenet Cherokee"/>
-        <a:font script="Yiii" typeface="Microsoft Yi Baiti"/>
-        <a:font script="Tibt" typeface="Microsoft Himalaya"/>
-        <a:font script="Thaa" typeface="MV Boli"/>
-        <a:font script="Deva" typeface="Mangal"/>
-        <a:font script="Telu" typeface="Gautami"/>
-        <a:font script="Taml" typeface="Latha"/>
-        <a:font script="Syrc" typeface="Estrangelo Edessa"/>
-        <a:font script="Orya" typeface="Kalinga"/>
-        <a:font script="Mlym" typeface="Kartika"/>
-        <a:font script="Laoo" typeface="DokChampa"/>
-        <a:font script="Sinh" typeface="Iskoola Pota"/>
-        <a:font script="Mong" typeface="Mongolian Baiti"/>
-        <a:font script="Viet" typeface="Arial"/>
-        <a:font script="Uigh" typeface="Microsoft Uighur"/>
-        <a:font script="Geor" typeface="Sylfaen"/>
-      </a:minorFont>
-    </a:fontScheme>
-    <a:fmtScheme name="Office">
-      <a:fillStyleLst>
-        <a:solidFill>
-          <a:schemeClr val="phClr"/>
-        </a:solidFill>
-        <a:gradFill rotWithShape="1">
-          <a:gsLst>
-            <a:gs pos="0">
-              <a:schemeClr val="phClr">
-                <a:tint val="50000"/>
-                <a:satMod val="300000"/>
-              </a:schemeClr>
-            </a:gs>
-            <a:gs pos="35000">
-              <a:schemeClr val="phClr">
-                <a:tint val="37000"/>
-                <a:satMod val="300000"/>
-              </a:schemeClr>
-            </a:gs>
-            <a:gs pos="100000">
-              <a:schemeClr val="phClr">
-                <a:tint val="15000"/>
-                <a:satMod val="350000"/>
-              </a:schemeClr>
-            </a:gs>
-          </a:gsLst>
-          <a:lin ang="16200000" scaled="1"/>
-        </a:gradFill>
-        <a:gradFill rotWithShape="1">
-          <a:gsLst>
-            <a:gs pos="0">
-              <a:schemeClr val="phClr">
-                <a:tint val="100000"/>
-                <a:shade val="100000"/>
-                <a:satMod val="130000"/>
-              </a:schemeClr>
-            </a:gs>
-            <a:gs pos="100000">
-              <a:schemeClr val="phClr">
-                <a:tint val="50000"/>
-                <a:shade val="100000"/>
-                <a:satMod val="350000"/>
-              </a:schemeClr>
-            </a:gs>
-          </a:gsLst>
-          <a:lin ang="16200000" scaled="0"/>
-        </a:gradFill>
-      </a:fillStyleLst>
-      <a:lnStyleLst>
-        <a:ln w="9525" cap="flat" cmpd="sng" algn="ctr">
-          <a:solidFill>
-            <a:schemeClr val="phClr">
-              <a:shade val="95000"/>
-              <a:satMod val="105000"/>
-            </a:schemeClr>
-          </a:solidFill>
-          <a:prstDash val="solid"/>
-        </a:ln>
-        <a:ln w="25400" cap="flat" cmpd="sng" algn="ctr">
-          <a:solidFill>
-            <a:schemeClr val="phClr"/>
-          </a:solidFill>
-          <a:prstDash val="solid"/>
-        </a:ln>
-        <a:ln w="38100" cap="flat" cmpd="sng" algn="ctr">
-          <a:solidFill>
-            <a:schemeClr val="phClr"/>
-          </a:solidFill>
-          <a:prstDash val="solid"/>
-        </a:ln>
-      </a:lnStyleLst>
-      <a:effectStyleLst>
-        <a:effectStyle>
-          <a:effectLst>
-            <a:outerShdw blurRad="40000" dist="20000" dir="5400000" rotWithShape="0">
-              <a:srgbClr val="000000">
-                <a:alpha val="38000"/>
-              </a:srgbClr>
-            </a:outerShdw>
-          </a:effectLst>
-        </a:effectStyle>
-        <a:effectStyle>
-          <a:effectLst>
-            <a:outerShdw blurRad="40000" dist="23000" dir="5400000" rotWithShape="0">
-              <a:srgbClr val="000000">
-                <a:alpha val="35000"/>
-              </a:srgbClr>
-            </a:outerShdw>
-          </a:effectLst>
-        </a:effectStyle>
-        <a:effectStyle>
-          <a:effectLst>
-            <a:outerShdw blurRad="40000" dist="23000" dir="5400000" rotWithShape="0">
-              <a:srgbClr val="000000">
-                <a:alpha val="35000"/>
-              </a:srgbClr>
-            </a:outerShdw>
-          </a:effectLst>
-          <a:scene3d>
-            <a:camera prst="orthographicFront">
-              <a:rot lat="0" lon="0" rev="0"/>
-            </a:camera>
-            <a:lightRig rig="threePt" dir="t">
-              <a:rot lat="0" lon="0" rev="1200000"/>
-            </a:lightRig>
-          </a:scene3d>
-          <a:sp3d>
-            <a:bevelT w="63500" h="25400"/>
-          </a:sp3d>
-        </a:effectStyle>
-      </a:effectStyleLst>
-      <a:bgFillStyleLst>
-        <a:solidFill>
-          <a:schemeClr val="phClr"/>
-        </a:solidFill>
-        <a:gradFill rotWithShape="1">
-          <a:gsLst>
-            <a:gs pos="0">
-              <a:schemeClr val="phClr">
-                <a:tint val="40000"/>
-                <a:satMod val="350000"/>
-              </a:schemeClr>
-            </a:gs>
-            <a:gs pos="40000">
-              <a:schemeClr val="phClr">
-                <a:tint val="45000"/>
-                <a:shade val="99000"/>
-                <a:satMod val="350000"/>
-              </a:schemeClr>
-            </a:gs>
-            <a:gs pos="100000">
-              <a:schemeClr val="phClr">
-                <a:shade val="20000"/>
-                <a:satMod val="255000"/>
-              </a:schemeClr>
-            </a:gs>
-          </a:gsLst>
-          <a:path path="circle">
-            <a:fillToRect l="50000" t="-80000" r="50000" b="180000"/>
-          </a:path>
-        </a:gradFill>
-        <a:gradFill rotWithShape="1">
-          <a:gsLst>
-            <a:gs pos="0">
-              <a:schemeClr val="phClr">
-                <a:tint val="80000"/>
-                <a:satMod val="300000"/>
-              </a:schemeClr>
-            </a:gs>
-            <a:gs pos="100000">
-              <a:schemeClr val="phClr">
-                <a:shade val="30000"/>
-                <a:satMod val="200000"/>
-              </a:schemeClr>
-            </a:gs>
-          </a:gsLst>
-          <a:path path="circle">
-            <a:fillToRect l="50000" t="50000" r="50000" b="50000"/>
-          </a:path>
-        </a:gradFill>
-      </a:bgFillStyleLst>
-    </a:fmtScheme>
-  </a:themeElements>
-</a:theme>
 </file>